--- a/2023-isa-conf/images/figs.pptx
+++ b/2023-isa-conf/images/figs.pptx
@@ -5,9 +5,9 @@
     <p:sldMasterId id="2147483648" r:id="rId1"/>
   </p:sldMasterIdLst>
   <p:sldIdLst>
-    <p:sldId id="257" r:id="rId2"/>
-    <p:sldId id="259" r:id="rId3"/>
-    <p:sldId id="258" r:id="rId4"/>
+    <p:sldId id="258" r:id="rId2"/>
+    <p:sldId id="262" r:id="rId3"/>
+    <p:sldId id="261" r:id="rId4"/>
   </p:sldIdLst>
   <p:sldSz cx="12192000" cy="6858000"/>
   <p:notesSz cx="6858000" cy="9144000"/>
@@ -261,7 +261,7 @@
           <a:p>
             <a:fld id="{92682F85-1444-104A-AF26-838A90D13B6F}" type="datetimeFigureOut">
               <a:rPr lang="en-US" smtClean="0"/>
-              <a:t>5/30/23</a:t>
+              <a:t>5/31/23</a:t>
             </a:fld>
             <a:endParaRPr lang="en-US"/>
           </a:p>
@@ -459,7 +459,7 @@
           <a:p>
             <a:fld id="{92682F85-1444-104A-AF26-838A90D13B6F}" type="datetimeFigureOut">
               <a:rPr lang="en-US" smtClean="0"/>
-              <a:t>5/30/23</a:t>
+              <a:t>5/31/23</a:t>
             </a:fld>
             <a:endParaRPr lang="en-US"/>
           </a:p>
@@ -667,7 +667,7 @@
           <a:p>
             <a:fld id="{92682F85-1444-104A-AF26-838A90D13B6F}" type="datetimeFigureOut">
               <a:rPr lang="en-US" smtClean="0"/>
-              <a:t>5/30/23</a:t>
+              <a:t>5/31/23</a:t>
             </a:fld>
             <a:endParaRPr lang="en-US"/>
           </a:p>
@@ -865,7 +865,7 @@
           <a:p>
             <a:fld id="{92682F85-1444-104A-AF26-838A90D13B6F}" type="datetimeFigureOut">
               <a:rPr lang="en-US" smtClean="0"/>
-              <a:t>5/30/23</a:t>
+              <a:t>5/31/23</a:t>
             </a:fld>
             <a:endParaRPr lang="en-US"/>
           </a:p>
@@ -1140,7 +1140,7 @@
           <a:p>
             <a:fld id="{92682F85-1444-104A-AF26-838A90D13B6F}" type="datetimeFigureOut">
               <a:rPr lang="en-US" smtClean="0"/>
-              <a:t>5/30/23</a:t>
+              <a:t>5/31/23</a:t>
             </a:fld>
             <a:endParaRPr lang="en-US"/>
           </a:p>
@@ -1405,7 +1405,7 @@
           <a:p>
             <a:fld id="{92682F85-1444-104A-AF26-838A90D13B6F}" type="datetimeFigureOut">
               <a:rPr lang="en-US" smtClean="0"/>
-              <a:t>5/30/23</a:t>
+              <a:t>5/31/23</a:t>
             </a:fld>
             <a:endParaRPr lang="en-US"/>
           </a:p>
@@ -1817,7 +1817,7 @@
           <a:p>
             <a:fld id="{92682F85-1444-104A-AF26-838A90D13B6F}" type="datetimeFigureOut">
               <a:rPr lang="en-US" smtClean="0"/>
-              <a:t>5/30/23</a:t>
+              <a:t>5/31/23</a:t>
             </a:fld>
             <a:endParaRPr lang="en-US"/>
           </a:p>
@@ -1958,7 +1958,7 @@
           <a:p>
             <a:fld id="{92682F85-1444-104A-AF26-838A90D13B6F}" type="datetimeFigureOut">
               <a:rPr lang="en-US" smtClean="0"/>
-              <a:t>5/30/23</a:t>
+              <a:t>5/31/23</a:t>
             </a:fld>
             <a:endParaRPr lang="en-US"/>
           </a:p>
@@ -2071,7 +2071,7 @@
           <a:p>
             <a:fld id="{92682F85-1444-104A-AF26-838A90D13B6F}" type="datetimeFigureOut">
               <a:rPr lang="en-US" smtClean="0"/>
-              <a:t>5/30/23</a:t>
+              <a:t>5/31/23</a:t>
             </a:fld>
             <a:endParaRPr lang="en-US"/>
           </a:p>
@@ -2382,7 +2382,7 @@
           <a:p>
             <a:fld id="{92682F85-1444-104A-AF26-838A90D13B6F}" type="datetimeFigureOut">
               <a:rPr lang="en-US" smtClean="0"/>
-              <a:t>5/30/23</a:t>
+              <a:t>5/31/23</a:t>
             </a:fld>
             <a:endParaRPr lang="en-US"/>
           </a:p>
@@ -2670,7 +2670,7 @@
           <a:p>
             <a:fld id="{92682F85-1444-104A-AF26-838A90D13B6F}" type="datetimeFigureOut">
               <a:rPr lang="en-US" smtClean="0"/>
-              <a:t>5/30/23</a:t>
+              <a:t>5/31/23</a:t>
             </a:fld>
             <a:endParaRPr lang="en-US"/>
           </a:p>
@@ -2911,7 +2911,7 @@
           <a:p>
             <a:fld id="{92682F85-1444-104A-AF26-838A90D13B6F}" type="datetimeFigureOut">
               <a:rPr lang="en-US" smtClean="0"/>
-              <a:t>5/30/23</a:t>
+              <a:t>5/31/23</a:t>
             </a:fld>
             <a:endParaRPr lang="en-US"/>
           </a:p>
@@ -3330,7 +3330,7 @@
       </p:grpSpPr>
       <p:pic>
         <p:nvPicPr>
-          <p:cNvPr id="3" name="Picture 2" descr="A picture containing text, screenshot, font, number&#10;&#10;Description automatically generated">
+          <p:cNvPr id="3" name="Picture 2">
             <a:extLst>
               <a:ext uri="{FF2B5EF4-FFF2-40B4-BE49-F238E27FC236}">
                 <a16:creationId xmlns:a16="http://schemas.microsoft.com/office/drawing/2014/main" id="{0D94D3FF-226B-C6F8-B83C-8F92D46C4686}"/>
@@ -3344,14 +3344,13 @@
         </p:nvPicPr>
         <p:blipFill>
           <a:blip r:embed="rId2"/>
-          <a:stretch>
-            <a:fillRect/>
-          </a:stretch>
+          <a:srcRect/>
+          <a:stretch/>
         </p:blipFill>
         <p:spPr>
           <a:xfrm>
-            <a:off x="685180" y="1017477"/>
-            <a:ext cx="8324361" cy="5688124"/>
+            <a:off x="901636" y="1017477"/>
+            <a:ext cx="8185731" cy="5688124"/>
           </a:xfrm>
           <a:prstGeom prst="rect">
             <a:avLst/>
@@ -3361,7 +3360,7 @@
     </p:spTree>
     <p:extLst>
       <p:ext uri="{BB962C8B-B14F-4D97-AF65-F5344CB8AC3E}">
-        <p14:creationId xmlns:p14="http://schemas.microsoft.com/office/powerpoint/2010/main" val="1680200402"/>
+        <p14:creationId xmlns:p14="http://schemas.microsoft.com/office/powerpoint/2010/main" val="4251601270"/>
       </p:ext>
     </p:extLst>
   </p:cSld>
@@ -3390,7 +3389,7 @@
       </p:grpSpPr>
       <p:pic>
         <p:nvPicPr>
-          <p:cNvPr id="3" name="Picture 2" descr="A picture containing text, screenshot, font, number&#10;&#10;Description automatically generated">
+          <p:cNvPr id="3" name="Picture 2">
             <a:extLst>
               <a:ext uri="{FF2B5EF4-FFF2-40B4-BE49-F238E27FC236}">
                 <a16:creationId xmlns:a16="http://schemas.microsoft.com/office/drawing/2014/main" id="{0D94D3FF-226B-C6F8-B83C-8F92D46C4686}"/>
@@ -3404,14 +3403,13 @@
         </p:nvPicPr>
         <p:blipFill>
           <a:blip r:embed="rId2"/>
-          <a:stretch>
-            <a:fillRect/>
-          </a:stretch>
+          <a:srcRect/>
+          <a:stretch/>
         </p:blipFill>
         <p:spPr>
           <a:xfrm>
-            <a:off x="685180" y="1017477"/>
-            <a:ext cx="8324361" cy="5688124"/>
+            <a:off x="901636" y="1017477"/>
+            <a:ext cx="8185731" cy="5688124"/>
           </a:xfrm>
           <a:prstGeom prst="rect">
             <a:avLst/>
@@ -3432,8 +3430,8 @@
         </p:nvSpPr>
         <p:spPr>
           <a:xfrm>
-            <a:off x="1077685" y="2460173"/>
-            <a:ext cx="2438402" cy="1230085"/>
+            <a:off x="1077685" y="2245089"/>
+            <a:ext cx="2438402" cy="1445170"/>
           </a:xfrm>
           <a:prstGeom prst="roundRect">
             <a:avLst/>
@@ -3482,8 +3480,8 @@
         </p:nvSpPr>
         <p:spPr>
           <a:xfrm>
-            <a:off x="1077687" y="3744688"/>
-            <a:ext cx="2438402" cy="1306286"/>
+            <a:off x="1077687" y="3744687"/>
+            <a:ext cx="2438402" cy="1445169"/>
           </a:xfrm>
           <a:prstGeom prst="roundRect">
             <a:avLst/>
@@ -3534,7 +3532,7 @@
         </p:nvSpPr>
         <p:spPr>
           <a:xfrm>
-            <a:off x="1077686" y="5132954"/>
+            <a:off x="1077686" y="5238055"/>
             <a:ext cx="2438402" cy="777989"/>
           </a:xfrm>
           <a:prstGeom prst="roundRect">
@@ -3701,7 +3699,7 @@
     </p:spTree>
     <p:extLst>
       <p:ext uri="{BB962C8B-B14F-4D97-AF65-F5344CB8AC3E}">
-        <p14:creationId xmlns:p14="http://schemas.microsoft.com/office/powerpoint/2010/main" val="30370673"/>
+        <p14:creationId xmlns:p14="http://schemas.microsoft.com/office/powerpoint/2010/main" val="1039631531"/>
       </p:ext>
     </p:extLst>
   </p:cSld>
@@ -3728,6 +3726,35 @@
           <a:chExt cx="0" cy="0"/>
         </a:xfrm>
       </p:grpSpPr>
+      <p:pic>
+        <p:nvPicPr>
+          <p:cNvPr id="3" name="Picture 2">
+            <a:extLst>
+              <a:ext uri="{FF2B5EF4-FFF2-40B4-BE49-F238E27FC236}">
+                <a16:creationId xmlns:a16="http://schemas.microsoft.com/office/drawing/2014/main" id="{0D94D3FF-226B-C6F8-B83C-8F92D46C4686}"/>
+              </a:ext>
+            </a:extLst>
+          </p:cNvPr>
+          <p:cNvPicPr>
+            <a:picLocks noChangeAspect="1"/>
+          </p:cNvPicPr>
+          <p:nvPr/>
+        </p:nvPicPr>
+        <p:blipFill>
+          <a:blip r:embed="rId2"/>
+          <a:srcRect/>
+          <a:stretch/>
+        </p:blipFill>
+        <p:spPr>
+          <a:xfrm>
+            <a:off x="901636" y="1017477"/>
+            <a:ext cx="8185731" cy="5688124"/>
+          </a:xfrm>
+          <a:prstGeom prst="rect">
+            <a:avLst/>
+          </a:prstGeom>
+        </p:spPr>
+      </p:pic>
       <p:sp>
         <p:nvSpPr>
           <p:cNvPr id="6" name="TextBox 5">
@@ -3742,8 +3769,8 @@
         </p:nvSpPr>
         <p:spPr>
           <a:xfrm>
-            <a:off x="8978479" y="1377453"/>
-            <a:ext cx="805795" cy="738664"/>
+            <a:off x="8978479" y="1759752"/>
+            <a:ext cx="805795" cy="307777"/>
           </a:xfrm>
           <a:prstGeom prst="rect">
             <a:avLst/>
@@ -3765,7 +3792,7 @@
                 <a:latin typeface="Roboto Condensed Light" panose="02000000000000000000" pitchFamily="2" charset="0"/>
                 <a:ea typeface="Roboto Condensed Light" panose="02000000000000000000" pitchFamily="2" charset="0"/>
               </a:rPr>
-              <a:t>Large Sample Size</a:t>
+              <a:t>Large N</a:t>
             </a:r>
           </a:p>
         </p:txBody>
@@ -3784,7 +3811,7 @@
         </p:nvSpPr>
         <p:spPr>
           <a:xfrm>
-            <a:off x="9784274" y="1485175"/>
+            <a:off x="9784274" y="1652030"/>
             <a:ext cx="1242833" cy="523220"/>
           </a:xfrm>
           <a:prstGeom prst="rect">
@@ -3839,7 +3866,7 @@
         </p:nvSpPr>
         <p:spPr>
           <a:xfrm>
-            <a:off x="10908039" y="1485175"/>
+            <a:off x="10908039" y="1652030"/>
             <a:ext cx="1197562" cy="523220"/>
           </a:xfrm>
           <a:prstGeom prst="rect">
@@ -3882,8 +3909,8 @@
           <p:nvPr/>
         </p:nvGraphicFramePr>
         <p:xfrm>
-          <a:off x="9079415" y="2318658"/>
-          <a:ext cx="2883984" cy="3592285"/>
+          <a:off x="9079415" y="2245088"/>
+          <a:ext cx="2883984" cy="3835656"/>
         </p:xfrm>
         <a:graphic>
           <a:graphicData uri="http://schemas.openxmlformats.org/drawingml/2006/table">
@@ -3912,7 +3939,7 @@
                   </a:extLst>
                 </a:gridCol>
               </a:tblGrid>
-              <a:tr h="1061226">
+              <a:tr h="939549">
                 <a:tc>
                   <a:txBody>
                     <a:bodyPr/>
@@ -3967,7 +3994,7 @@
                   </a:ext>
                 </a:extLst>
               </a:tr>
-              <a:tr h="593372">
+              <a:tr h="672660">
                 <a:tc>
                   <a:txBody>
                     <a:bodyPr/>
@@ -4022,7 +4049,7 @@
                   </a:ext>
                 </a:extLst>
               </a:tr>
-              <a:tr h="603994">
+              <a:tr h="788275">
                 <a:tc>
                   <a:txBody>
                     <a:bodyPr/>
@@ -4077,7 +4104,7 @@
                   </a:ext>
                 </a:extLst>
               </a:tr>
-              <a:tr h="567899">
+              <a:tr h="641131">
                 <a:tc>
                   <a:txBody>
                     <a:bodyPr/>
@@ -4132,7 +4159,7 @@
                   </a:ext>
                 </a:extLst>
               </a:tr>
-              <a:tr h="765794">
+              <a:tr h="794041">
                 <a:tc>
                   <a:txBody>
                     <a:bodyPr/>
@@ -4197,52 +4224,22 @@
           </a:graphicData>
         </a:graphic>
       </p:graphicFrame>
-      <p:pic>
-        <p:nvPicPr>
-          <p:cNvPr id="3" name="Picture 2" descr="A picture containing text, screenshot, font, number&#10;&#10;Description automatically generated">
-            <a:extLst>
-              <a:ext uri="{FF2B5EF4-FFF2-40B4-BE49-F238E27FC236}">
-                <a16:creationId xmlns:a16="http://schemas.microsoft.com/office/drawing/2014/main" id="{0D94D3FF-226B-C6F8-B83C-8F92D46C4686}"/>
-              </a:ext>
-            </a:extLst>
-          </p:cNvPr>
-          <p:cNvPicPr>
-            <a:picLocks noChangeAspect="1"/>
-          </p:cNvPicPr>
+      <p:sp>
+        <p:nvSpPr>
+          <p:cNvPr id="4" name="Rounded Rectangle 3">
+            <a:extLst>
+              <a:ext uri="{FF2B5EF4-FFF2-40B4-BE49-F238E27FC236}">
+                <a16:creationId xmlns:a16="http://schemas.microsoft.com/office/drawing/2014/main" id="{F42B3AE2-085C-58AA-2403-16C04AE3CFC3}"/>
+              </a:ext>
+            </a:extLst>
+          </p:cNvPr>
+          <p:cNvSpPr/>
           <p:nvPr/>
-        </p:nvPicPr>
-        <p:blipFill>
-          <a:blip r:embed="rId2"/>
-          <a:stretch>
-            <a:fillRect/>
-          </a:stretch>
-        </p:blipFill>
+        </p:nvSpPr>
         <p:spPr>
           <a:xfrm>
-            <a:off x="685180" y="1017477"/>
-            <a:ext cx="8324361" cy="5688124"/>
-          </a:xfrm>
-          <a:prstGeom prst="rect">
-            <a:avLst/>
-          </a:prstGeom>
-        </p:spPr>
-      </p:pic>
-      <p:sp>
-        <p:nvSpPr>
-          <p:cNvPr id="4" name="Rounded Rectangle 3">
-            <a:extLst>
-              <a:ext uri="{FF2B5EF4-FFF2-40B4-BE49-F238E27FC236}">
-                <a16:creationId xmlns:a16="http://schemas.microsoft.com/office/drawing/2014/main" id="{F42B3AE2-085C-58AA-2403-16C04AE3CFC3}"/>
-              </a:ext>
-            </a:extLst>
-          </p:cNvPr>
-          <p:cNvSpPr/>
-          <p:nvPr/>
-        </p:nvSpPr>
-        <p:spPr>
-          <a:xfrm>
-            <a:off x="1077685" y="2460173"/>
-            <a:ext cx="2438402" cy="1230085"/>
+            <a:off x="1077685" y="2245089"/>
+            <a:ext cx="2438402" cy="1445170"/>
           </a:xfrm>
           <a:prstGeom prst="roundRect">
             <a:avLst/>
@@ -4291,8 +4288,8 @@
         </p:nvSpPr>
         <p:spPr>
           <a:xfrm>
-            <a:off x="1077687" y="3744688"/>
-            <a:ext cx="2438402" cy="1306286"/>
+            <a:off x="1077687" y="3744687"/>
+            <a:ext cx="2438402" cy="1445169"/>
           </a:xfrm>
           <a:prstGeom prst="roundRect">
             <a:avLst/>
@@ -4343,7 +4340,7 @@
         </p:nvSpPr>
         <p:spPr>
           <a:xfrm>
-            <a:off x="1077686" y="5132954"/>
+            <a:off x="1077686" y="5238055"/>
             <a:ext cx="2438402" cy="777989"/>
           </a:xfrm>
           <a:prstGeom prst="roundRect">
@@ -4510,7 +4507,7 @@
     </p:spTree>
     <p:extLst>
       <p:ext uri="{BB962C8B-B14F-4D97-AF65-F5344CB8AC3E}">
-        <p14:creationId xmlns:p14="http://schemas.microsoft.com/office/powerpoint/2010/main" val="4251601270"/>
+        <p14:creationId xmlns:p14="http://schemas.microsoft.com/office/powerpoint/2010/main" val="1889631067"/>
       </p:ext>
     </p:extLst>
   </p:cSld>
